--- a/Documents/Project Video/Continual Learning Techniques for Image Classification.pptx
+++ b/Documents/Project Video/Continual Learning Techniques for Image Classification.pptx
@@ -108,6 +108,11 @@
       </a:defRPr>
     </a:lvl9pPr>
   </p:defaultTextStyle>
+  <p:extLst>
+    <p:ext uri="{EFAFB233-063F-42B5-8137-9DF3F51BA10A}">
+      <p15:sldGuideLst xmlns:p15="http://schemas.microsoft.com/office/powerpoint/2012/main"/>
+    </p:ext>
+  </p:extLst>
 </p:presentation>
 </file>
 
@@ -260,7 +265,7 @@
           <a:p>
             <a:fld id="{5B599900-94CC-4B42-A45E-1B007D61B225}" type="datetimeFigureOut">
               <a:rPr lang="en-GB" smtClean="0"/>
-              <a:t>24/10/2022</a:t>
+              <a:t>25/10/2022</a:t>
             </a:fld>
             <a:endParaRPr lang="en-GB"/>
           </a:p>
@@ -460,7 +465,7 @@
           <a:p>
             <a:fld id="{5B599900-94CC-4B42-A45E-1B007D61B225}" type="datetimeFigureOut">
               <a:rPr lang="en-GB" smtClean="0"/>
-              <a:t>24/10/2022</a:t>
+              <a:t>25/10/2022</a:t>
             </a:fld>
             <a:endParaRPr lang="en-GB"/>
           </a:p>
@@ -670,7 +675,7 @@
           <a:p>
             <a:fld id="{5B599900-94CC-4B42-A45E-1B007D61B225}" type="datetimeFigureOut">
               <a:rPr lang="en-GB" smtClean="0"/>
-              <a:t>24/10/2022</a:t>
+              <a:t>25/10/2022</a:t>
             </a:fld>
             <a:endParaRPr lang="en-GB"/>
           </a:p>
@@ -870,7 +875,7 @@
           <a:p>
             <a:fld id="{5B599900-94CC-4B42-A45E-1B007D61B225}" type="datetimeFigureOut">
               <a:rPr lang="en-GB" smtClean="0"/>
-              <a:t>24/10/2022</a:t>
+              <a:t>25/10/2022</a:t>
             </a:fld>
             <a:endParaRPr lang="en-GB"/>
           </a:p>
@@ -1146,7 +1151,7 @@
           <a:p>
             <a:fld id="{5B599900-94CC-4B42-A45E-1B007D61B225}" type="datetimeFigureOut">
               <a:rPr lang="en-GB" smtClean="0"/>
-              <a:t>24/10/2022</a:t>
+              <a:t>25/10/2022</a:t>
             </a:fld>
             <a:endParaRPr lang="en-GB"/>
           </a:p>
@@ -1414,7 +1419,7 @@
           <a:p>
             <a:fld id="{5B599900-94CC-4B42-A45E-1B007D61B225}" type="datetimeFigureOut">
               <a:rPr lang="en-GB" smtClean="0"/>
-              <a:t>24/10/2022</a:t>
+              <a:t>25/10/2022</a:t>
             </a:fld>
             <a:endParaRPr lang="en-GB"/>
           </a:p>
@@ -1829,7 +1834,7 @@
           <a:p>
             <a:fld id="{5B599900-94CC-4B42-A45E-1B007D61B225}" type="datetimeFigureOut">
               <a:rPr lang="en-GB" smtClean="0"/>
-              <a:t>24/10/2022</a:t>
+              <a:t>25/10/2022</a:t>
             </a:fld>
             <a:endParaRPr lang="en-GB"/>
           </a:p>
@@ -1971,7 +1976,7 @@
           <a:p>
             <a:fld id="{5B599900-94CC-4B42-A45E-1B007D61B225}" type="datetimeFigureOut">
               <a:rPr lang="en-GB" smtClean="0"/>
-              <a:t>24/10/2022</a:t>
+              <a:t>25/10/2022</a:t>
             </a:fld>
             <a:endParaRPr lang="en-GB"/>
           </a:p>
@@ -2084,7 +2089,7 @@
           <a:p>
             <a:fld id="{5B599900-94CC-4B42-A45E-1B007D61B225}" type="datetimeFigureOut">
               <a:rPr lang="en-GB" smtClean="0"/>
-              <a:t>24/10/2022</a:t>
+              <a:t>25/10/2022</a:t>
             </a:fld>
             <a:endParaRPr lang="en-GB"/>
           </a:p>
@@ -2397,7 +2402,7 @@
           <a:p>
             <a:fld id="{5B599900-94CC-4B42-A45E-1B007D61B225}" type="datetimeFigureOut">
               <a:rPr lang="en-GB" smtClean="0"/>
-              <a:t>24/10/2022</a:t>
+              <a:t>25/10/2022</a:t>
             </a:fld>
             <a:endParaRPr lang="en-GB"/>
           </a:p>
@@ -2686,7 +2691,7 @@
           <a:p>
             <a:fld id="{5B599900-94CC-4B42-A45E-1B007D61B225}" type="datetimeFigureOut">
               <a:rPr lang="en-GB" smtClean="0"/>
-              <a:t>24/10/2022</a:t>
+              <a:t>25/10/2022</a:t>
             </a:fld>
             <a:endParaRPr lang="en-GB"/>
           </a:p>
@@ -2929,7 +2934,7 @@
           <a:p>
             <a:fld id="{5B599900-94CC-4B42-A45E-1B007D61B225}" type="datetimeFigureOut">
               <a:rPr lang="en-GB" smtClean="0"/>
-              <a:t>24/10/2022</a:t>
+              <a:t>25/10/2022</a:t>
             </a:fld>
             <a:endParaRPr lang="en-GB"/>
           </a:p>
@@ -3497,6 +3502,19 @@
           <a:p>
             <a:r>
               <a:rPr lang="en-GB" dirty="0"/>
+              <a:t>Overview of scenarios</a:t>
+            </a:r>
+          </a:p>
+          <a:p>
+            <a:pPr lvl="1"/>
+            <a:r>
+              <a:rPr lang="en-GB" dirty="0"/>
+              <a:t>Some animations/images could be useful to show the difference </a:t>
+            </a:r>
+          </a:p>
+          <a:p>
+            <a:r>
+              <a:rPr lang="en-GB" dirty="0"/>
               <a:t>Limitations of Offline Training</a:t>
             </a:r>
           </a:p>
